--- a/src/test/resources/sl/PPTHavingTextToReplace.pptx
+++ b/src/test/resources/sl/PPTHavingTextToReplace.pptx
@@ -259,7 +259,7 @@
           <a:p>
             <a:fld id="{9D67A599-CF9F-48F7-ACF5-91C05D83776A}" type="datetimeFigureOut">
               <a:rPr lang="de-DE" smtClean="0"/>
-              <a:t>05.08.2023</a:t>
+              <a:t>07.08.2023</a:t>
             </a:fld>
             <a:endParaRPr lang="de-DE"/>
           </a:p>
@@ -457,7 +457,7 @@
           <a:p>
             <a:fld id="{9D67A599-CF9F-48F7-ACF5-91C05D83776A}" type="datetimeFigureOut">
               <a:rPr lang="de-DE" smtClean="0"/>
-              <a:t>05.08.2023</a:t>
+              <a:t>07.08.2023</a:t>
             </a:fld>
             <a:endParaRPr lang="de-DE"/>
           </a:p>
@@ -665,7 +665,7 @@
           <a:p>
             <a:fld id="{9D67A599-CF9F-48F7-ACF5-91C05D83776A}" type="datetimeFigureOut">
               <a:rPr lang="de-DE" smtClean="0"/>
-              <a:t>05.08.2023</a:t>
+              <a:t>07.08.2023</a:t>
             </a:fld>
             <a:endParaRPr lang="de-DE"/>
           </a:p>
@@ -863,7 +863,7 @@
           <a:p>
             <a:fld id="{9D67A599-CF9F-48F7-ACF5-91C05D83776A}" type="datetimeFigureOut">
               <a:rPr lang="de-DE" smtClean="0"/>
-              <a:t>05.08.2023</a:t>
+              <a:t>07.08.2023</a:t>
             </a:fld>
             <a:endParaRPr lang="de-DE"/>
           </a:p>
@@ -1138,7 +1138,7 @@
           <a:p>
             <a:fld id="{9D67A599-CF9F-48F7-ACF5-91C05D83776A}" type="datetimeFigureOut">
               <a:rPr lang="de-DE" smtClean="0"/>
-              <a:t>05.08.2023</a:t>
+              <a:t>07.08.2023</a:t>
             </a:fld>
             <a:endParaRPr lang="de-DE"/>
           </a:p>
@@ -1403,7 +1403,7 @@
           <a:p>
             <a:fld id="{9D67A599-CF9F-48F7-ACF5-91C05D83776A}" type="datetimeFigureOut">
               <a:rPr lang="de-DE" smtClean="0"/>
-              <a:t>05.08.2023</a:t>
+              <a:t>07.08.2023</a:t>
             </a:fld>
             <a:endParaRPr lang="de-DE"/>
           </a:p>
@@ -1815,7 +1815,7 @@
           <a:p>
             <a:fld id="{9D67A599-CF9F-48F7-ACF5-91C05D83776A}" type="datetimeFigureOut">
               <a:rPr lang="de-DE" smtClean="0"/>
-              <a:t>05.08.2023</a:t>
+              <a:t>07.08.2023</a:t>
             </a:fld>
             <a:endParaRPr lang="de-DE"/>
           </a:p>
@@ -1956,7 +1956,7 @@
           <a:p>
             <a:fld id="{9D67A599-CF9F-48F7-ACF5-91C05D83776A}" type="datetimeFigureOut">
               <a:rPr lang="de-DE" smtClean="0"/>
-              <a:t>05.08.2023</a:t>
+              <a:t>07.08.2023</a:t>
             </a:fld>
             <a:endParaRPr lang="de-DE"/>
           </a:p>
@@ -2069,7 +2069,7 @@
           <a:p>
             <a:fld id="{9D67A599-CF9F-48F7-ACF5-91C05D83776A}" type="datetimeFigureOut">
               <a:rPr lang="de-DE" smtClean="0"/>
-              <a:t>05.08.2023</a:t>
+              <a:t>07.08.2023</a:t>
             </a:fld>
             <a:endParaRPr lang="de-DE"/>
           </a:p>
@@ -2380,7 +2380,7 @@
           <a:p>
             <a:fld id="{9D67A599-CF9F-48F7-ACF5-91C05D83776A}" type="datetimeFigureOut">
               <a:rPr lang="de-DE" smtClean="0"/>
-              <a:t>05.08.2023</a:t>
+              <a:t>07.08.2023</a:t>
             </a:fld>
             <a:endParaRPr lang="de-DE"/>
           </a:p>
@@ -2668,7 +2668,7 @@
           <a:p>
             <a:fld id="{9D67A599-CF9F-48F7-ACF5-91C05D83776A}" type="datetimeFigureOut">
               <a:rPr lang="de-DE" smtClean="0"/>
-              <a:t>05.08.2023</a:t>
+              <a:t>07.08.2023</a:t>
             </a:fld>
             <a:endParaRPr lang="de-DE"/>
           </a:p>
@@ -2909,7 +2909,7 @@
           <a:p>
             <a:fld id="{9D67A599-CF9F-48F7-ACF5-91C05D83776A}" type="datetimeFigureOut">
               <a:rPr lang="de-DE" smtClean="0"/>
-              <a:t>05.08.2023</a:t>
+              <a:t>07.08.2023</a:t>
             </a:fld>
             <a:endParaRPr lang="de-DE"/>
           </a:p>
@@ -3340,8 +3340,8 @@
         </p:nvSpPr>
         <p:spPr>
           <a:xfrm>
-            <a:off x="1981200" y="889844"/>
-            <a:ext cx="8229600" cy="5078313"/>
+            <a:off x="1981200" y="982177"/>
+            <a:ext cx="8229600" cy="4893647"/>
           </a:xfrm>
           <a:prstGeom prst="rect">
             <a:avLst/>
@@ -3356,10 +3356,37 @@
           <a:p>
             <a:r>
               <a:rPr lang="de-DE" sz="2000" noProof="1"/>
-              <a:t>Lorem ipsum dolor sit </a:t>
-            </a:r>
-            <a:r>
-              <a:rPr lang="de-DE" sz="2800" b="1" i="1" noProof="1">
+              <a:t>Text containibg ${placeholder} once.</a:t>
+            </a:r>
+          </a:p>
+          <a:p>
+            <a:endParaRPr lang="de-DE" sz="2000" noProof="1"/>
+          </a:p>
+          <a:p>
+            <a:r>
+              <a:rPr lang="de-DE" sz="2000" noProof="1"/>
+              <a:t>${placeholder}  at begin of text line.</a:t>
+            </a:r>
+          </a:p>
+          <a:p>
+            <a:endParaRPr lang="de-DE" sz="2000" noProof="1"/>
+          </a:p>
+          <a:p>
+            <a:r>
+              <a:rPr lang="de-DE" sz="2000" noProof="1"/>
+              <a:t>Text containing ${placeholder} multiple times. So ${placeholder} needs to be replaced twice.</a:t>
+            </a:r>
+          </a:p>
+          <a:p>
+            <a:endParaRPr lang="de-DE" sz="2000" noProof="1"/>
+          </a:p>
+          <a:p>
+            <a:r>
+              <a:rPr lang="de-DE" sz="2000" noProof="1"/>
+              <a:t>Text containing </a:t>
+            </a:r>
+            <a:r>
+              <a:rPr lang="de-DE" sz="2400" b="1" i="1" u="sng" noProof="1">
                 <a:solidFill>
                   <a:srgbClr val="FF0000"/>
                 </a:solidFill>
@@ -3368,44 +3395,61 @@
             </a:r>
             <a:r>
               <a:rPr lang="de-DE" sz="2000" noProof="1"/>
-              <a:t>amet, consetetur sadipscing elitr, sed diam nonumy eirmod tempor invidunt ut labore et dolore magna aliquyam erat, sed diam voluptua. At vero eos et ${Firma} accusam et justo duo dolores et ea rebum. </a:t>
-            </a:r>
-          </a:p>
-          <a:p>
-            <a:endParaRPr lang="de-DE" sz="2000" noProof="1"/>
-          </a:p>
-          <a:p>
-            <a:r>
-              <a:rPr lang="de-DE" sz="2000" noProof="1"/>
-              <a:t>Stet clita kasd gubergren, no sea takimata sanctus est Lorem ipsum dolor sit amet. Lorem ipsum dolor sit amet, consetetur </a:t>
-            </a:r>
-            <a:r>
-              <a:rPr lang="de-DE" sz="2800" b="1" noProof="1">
+              <a:t>in special font format. Even </a:t>
+            </a:r>
+            <a:r>
+              <a:rPr lang="de-DE" sz="2400" b="1" noProof="1">
                 <a:solidFill>
                   <a:srgbClr val="00B050"/>
                 </a:solidFill>
+                <a:effectLst>
+                  <a:outerShdw blurRad="38100" dist="38100" dir="2700000" algn="tl">
+                    <a:srgbClr val="000000">
+                      <a:alpha val="43137"/>
+                    </a:srgbClr>
+                  </a:outerShdw>
+                </a:effectLst>
               </a:rPr>
-              <a:t>${</a:t>
-            </a:r>
-            <a:r>
-              <a:rPr lang="de-DE" sz="2000" b="1" noProof="1"/>
-              <a:t>placeholder</a:t>
+              <a:t>${place</a:t>
             </a:r>
             <a:r>
               <a:rPr lang="de-DE" sz="2000" noProof="1"/>
-              <a:t>} sadipscing elitr, sed diam nonumy eirmod tempor </a:t>
-            </a:r>
-            <a:r>
-              <a:rPr lang="de-DE" sz="3200" b="1" u="sng" noProof="1">
+              <a:t>holder} only parial formatted. </a:t>
+            </a:r>
+            <a:r>
+              <a:rPr lang="de-DE" sz="2400" noProof="1">
+                <a:solidFill>
+                  <a:srgbClr val="FFFF00"/>
+                </a:solidFill>
+                <a:effectLst>
+                  <a:outerShdw blurRad="38100" dist="38100" dir="2700000" algn="tl">
+                    <a:srgbClr val="000000">
+                      <a:alpha val="43137"/>
+                    </a:srgbClr>
+                  </a:outerShdw>
+                </a:effectLst>
+              </a:rPr>
+              <a:t>And ${place</a:t>
+            </a:r>
+            <a:r>
+              <a:rPr lang="de-DE" sz="2400" b="1" i="1" noProof="1"/>
+              <a:t>holder} between</a:t>
+            </a:r>
+            <a:r>
+              <a:rPr lang="de-DE" sz="2000" noProof="1"/>
+              <a:t> different formatted text. Also maybe ${place</a:t>
+            </a:r>
+            <a:r>
+              <a:rPr lang="de-DE" sz="2400" noProof="1">
                 <a:solidFill>
                   <a:srgbClr val="0070C0"/>
                 </a:solidFill>
               </a:rPr>
-              <a:t>invidunt ut ${placeholder} labore </a:t>
+              <a:t>holder}</a:t>
             </a:r>
             <a:r>
               <a:rPr lang="de-DE" sz="2000" noProof="1"/>
-              <a:t>et dolore magna aliquyam erat, sed diam voluptua. </a:t>
+              <a:t> only partial formatted at end.</a:t>
             </a:r>
           </a:p>
           <a:p>
@@ -3413,24 +3457,172 @@
           </a:p>
           <a:p>
             <a:r>
-              <a:rPr lang="de-DE" sz="2000" noProof="1"/>
-              <a:t>At vero eos et accusam et justo </a:t>
-            </a:r>
-            <a:r>
-              <a:rPr lang="de-DE" sz="2400" b="1" noProof="1"/>
-              <a:t>duo</a:t>
-            </a:r>
-            <a:r>
-              <a:rPr lang="de-DE" sz="2000" noProof="1"/>
-              <a:t> ${placeholder} </a:t>
-            </a:r>
-            <a:r>
-              <a:rPr lang="de-DE" sz="2400" b="1" noProof="1"/>
-              <a:t>dolores</a:t>
-            </a:r>
-            <a:r>
-              <a:rPr lang="de-DE" sz="2000" noProof="1"/>
-              <a:t> et ea rebum. Stet clita kasd gubergren, no sea takimata sanctus est Lorem ipsum dolor sit amet.</a:t>
+              <a:rPr lang="de-DE" sz="2000" dirty="0" err="1"/>
+              <a:t>Worst</a:t>
+            </a:r>
+            <a:r>
+              <a:rPr lang="de-DE" sz="2000" dirty="0"/>
+              <a:t> </a:t>
+            </a:r>
+            <a:r>
+              <a:rPr lang="de-DE" sz="2000" dirty="0" err="1"/>
+              <a:t>case</a:t>
+            </a:r>
+            <a:r>
+              <a:rPr lang="de-DE" sz="2000" dirty="0"/>
+              <a:t>: ${</a:t>
+            </a:r>
+            <a:r>
+              <a:rPr lang="de-DE" sz="2000" dirty="0" err="1"/>
+              <a:t>placeholder</a:t>
+            </a:r>
+            <a:r>
+              <a:rPr lang="de-DE" sz="2000" dirty="0"/>
+              <a:t>} in a </a:t>
+            </a:r>
+            <a:r>
+              <a:rPr lang="de-DE" sz="2000" dirty="0" err="1"/>
+              <a:t>paragraph</a:t>
+            </a:r>
+            <a:r>
+              <a:rPr lang="de-DE" sz="2000" dirty="0"/>
+              <a:t> </a:t>
+            </a:r>
+            <a:r>
+              <a:rPr lang="de-DE" sz="2000" dirty="0" err="1"/>
+              <a:t>where</a:t>
+            </a:r>
+            <a:r>
+              <a:rPr lang="de-DE" sz="2000" dirty="0"/>
+              <a:t> </a:t>
+            </a:r>
+            <a:r>
+              <a:rPr lang="de-DE" sz="2000" dirty="0" err="1"/>
+              <a:t>spell</a:t>
+            </a:r>
+            <a:r>
+              <a:rPr lang="de-DE" sz="2000" dirty="0"/>
+              <a:t> check </a:t>
+            </a:r>
+            <a:r>
+              <a:rPr lang="de-DE" sz="2000" dirty="0" err="1"/>
+              <a:t>is</a:t>
+            </a:r>
+            <a:r>
+              <a:rPr lang="de-DE" sz="2000" dirty="0"/>
+              <a:t> </a:t>
+            </a:r>
+            <a:r>
+              <a:rPr lang="de-DE" sz="2000" dirty="0" err="1"/>
+              <a:t>enabled</a:t>
+            </a:r>
+            <a:r>
+              <a:rPr lang="de-DE" sz="2000" dirty="0"/>
+              <a:t>. This </a:t>
+            </a:r>
+            <a:r>
+              <a:rPr lang="de-DE" sz="2000" dirty="0" err="1"/>
+              <a:t>leads</a:t>
+            </a:r>
+            <a:r>
+              <a:rPr lang="de-DE" sz="2000" dirty="0"/>
+              <a:t> </a:t>
+            </a:r>
+            <a:r>
+              <a:rPr lang="de-DE" sz="2000" dirty="0" err="1"/>
+              <a:t>to</a:t>
+            </a:r>
+            <a:r>
+              <a:rPr lang="de-DE" sz="2000" dirty="0"/>
+              <a:t> </a:t>
+            </a:r>
+            <a:r>
+              <a:rPr lang="de-DE" sz="2000" dirty="0" err="1"/>
+              <a:t>much</a:t>
+            </a:r>
+            <a:r>
+              <a:rPr lang="de-DE" sz="2000" dirty="0"/>
+              <a:t> </a:t>
+            </a:r>
+            <a:r>
+              <a:rPr lang="de-DE" sz="2000" dirty="0" err="1"/>
+              <a:t>count</a:t>
+            </a:r>
+            <a:r>
+              <a:rPr lang="de-DE" sz="2000" dirty="0"/>
+              <a:t> </a:t>
+            </a:r>
+            <a:r>
+              <a:rPr lang="de-DE" sz="2000" dirty="0" err="1"/>
+              <a:t>of</a:t>
+            </a:r>
+            <a:r>
+              <a:rPr lang="de-DE" sz="2000" dirty="0"/>
+              <a:t> </a:t>
+            </a:r>
+            <a:r>
+              <a:rPr lang="de-DE" sz="2000" dirty="0" err="1"/>
+              <a:t>text</a:t>
+            </a:r>
+            <a:r>
+              <a:rPr lang="de-DE" sz="2000" dirty="0"/>
+              <a:t> </a:t>
+            </a:r>
+            <a:r>
+              <a:rPr lang="de-DE" sz="2000" dirty="0" err="1"/>
+              <a:t>runs</a:t>
+            </a:r>
+            <a:r>
+              <a:rPr lang="de-DE" sz="2000" dirty="0"/>
+              <a:t> </a:t>
+            </a:r>
+            <a:r>
+              <a:rPr lang="de-DE" sz="2000" dirty="0" err="1"/>
+              <a:t>showing</a:t>
+            </a:r>
+            <a:r>
+              <a:rPr lang="de-DE" sz="2000" dirty="0"/>
+              <a:t> </a:t>
+            </a:r>
+            <a:r>
+              <a:rPr lang="de-DE" sz="2000" dirty="0" err="1"/>
+              <a:t>spell</a:t>
+            </a:r>
+            <a:r>
+              <a:rPr lang="de-DE" sz="2000" dirty="0"/>
+              <a:t> check </a:t>
+            </a:r>
+            <a:r>
+              <a:rPr lang="de-DE" sz="2000" dirty="0" err="1"/>
+              <a:t>results</a:t>
+            </a:r>
+            <a:r>
+              <a:rPr lang="de-DE" sz="2000" dirty="0"/>
+              <a:t>. This separates ${</a:t>
+            </a:r>
+            <a:r>
+              <a:rPr lang="de-DE" sz="2000" dirty="0" err="1"/>
+              <a:t>placeholder</a:t>
+            </a:r>
+            <a:r>
+              <a:rPr lang="de-DE" sz="2000" dirty="0"/>
+              <a:t>} in different </a:t>
+            </a:r>
+            <a:r>
+              <a:rPr lang="de-DE" sz="2000" dirty="0" err="1"/>
+              <a:t>text</a:t>
+            </a:r>
+            <a:r>
+              <a:rPr lang="de-DE" sz="2000" dirty="0"/>
+              <a:t> </a:t>
+            </a:r>
+            <a:r>
+              <a:rPr lang="de-DE" sz="2000" dirty="0" err="1"/>
+              <a:t>runs</a:t>
+            </a:r>
+            <a:r>
+              <a:rPr lang="de-DE" sz="2000" dirty="0"/>
+              <a:t>.</a:t>
             </a:r>
           </a:p>
         </p:txBody>

--- a/src/test/resources/sl/PPTHavingTextToReplace.pptx
+++ b/src/test/resources/sl/PPTHavingTextToReplace.pptx
@@ -259,7 +259,7 @@
           <a:p>
             <a:fld id="{9D67A599-CF9F-48F7-ACF5-91C05D83776A}" type="datetimeFigureOut">
               <a:rPr lang="de-DE" smtClean="0"/>
-              <a:t>07.08.2023</a:t>
+              <a:t>08.08.2023</a:t>
             </a:fld>
             <a:endParaRPr lang="de-DE"/>
           </a:p>
@@ -457,7 +457,7 @@
           <a:p>
             <a:fld id="{9D67A599-CF9F-48F7-ACF5-91C05D83776A}" type="datetimeFigureOut">
               <a:rPr lang="de-DE" smtClean="0"/>
-              <a:t>07.08.2023</a:t>
+              <a:t>08.08.2023</a:t>
             </a:fld>
             <a:endParaRPr lang="de-DE"/>
           </a:p>
@@ -665,7 +665,7 @@
           <a:p>
             <a:fld id="{9D67A599-CF9F-48F7-ACF5-91C05D83776A}" type="datetimeFigureOut">
               <a:rPr lang="de-DE" smtClean="0"/>
-              <a:t>07.08.2023</a:t>
+              <a:t>08.08.2023</a:t>
             </a:fld>
             <a:endParaRPr lang="de-DE"/>
           </a:p>
@@ -863,7 +863,7 @@
           <a:p>
             <a:fld id="{9D67A599-CF9F-48F7-ACF5-91C05D83776A}" type="datetimeFigureOut">
               <a:rPr lang="de-DE" smtClean="0"/>
-              <a:t>07.08.2023</a:t>
+              <a:t>08.08.2023</a:t>
             </a:fld>
             <a:endParaRPr lang="de-DE"/>
           </a:p>
@@ -1138,7 +1138,7 @@
           <a:p>
             <a:fld id="{9D67A599-CF9F-48F7-ACF5-91C05D83776A}" type="datetimeFigureOut">
               <a:rPr lang="de-DE" smtClean="0"/>
-              <a:t>07.08.2023</a:t>
+              <a:t>08.08.2023</a:t>
             </a:fld>
             <a:endParaRPr lang="de-DE"/>
           </a:p>
@@ -1403,7 +1403,7 @@
           <a:p>
             <a:fld id="{9D67A599-CF9F-48F7-ACF5-91C05D83776A}" type="datetimeFigureOut">
               <a:rPr lang="de-DE" smtClean="0"/>
-              <a:t>07.08.2023</a:t>
+              <a:t>08.08.2023</a:t>
             </a:fld>
             <a:endParaRPr lang="de-DE"/>
           </a:p>
@@ -1815,7 +1815,7 @@
           <a:p>
             <a:fld id="{9D67A599-CF9F-48F7-ACF5-91C05D83776A}" type="datetimeFigureOut">
               <a:rPr lang="de-DE" smtClean="0"/>
-              <a:t>07.08.2023</a:t>
+              <a:t>08.08.2023</a:t>
             </a:fld>
             <a:endParaRPr lang="de-DE"/>
           </a:p>
@@ -1956,7 +1956,7 @@
           <a:p>
             <a:fld id="{9D67A599-CF9F-48F7-ACF5-91C05D83776A}" type="datetimeFigureOut">
               <a:rPr lang="de-DE" smtClean="0"/>
-              <a:t>07.08.2023</a:t>
+              <a:t>08.08.2023</a:t>
             </a:fld>
             <a:endParaRPr lang="de-DE"/>
           </a:p>
@@ -2069,7 +2069,7 @@
           <a:p>
             <a:fld id="{9D67A599-CF9F-48F7-ACF5-91C05D83776A}" type="datetimeFigureOut">
               <a:rPr lang="de-DE" smtClean="0"/>
-              <a:t>07.08.2023</a:t>
+              <a:t>08.08.2023</a:t>
             </a:fld>
             <a:endParaRPr lang="de-DE"/>
           </a:p>
@@ -2380,7 +2380,7 @@
           <a:p>
             <a:fld id="{9D67A599-CF9F-48F7-ACF5-91C05D83776A}" type="datetimeFigureOut">
               <a:rPr lang="de-DE" smtClean="0"/>
-              <a:t>07.08.2023</a:t>
+              <a:t>08.08.2023</a:t>
             </a:fld>
             <a:endParaRPr lang="de-DE"/>
           </a:p>
@@ -2668,7 +2668,7 @@
           <a:p>
             <a:fld id="{9D67A599-CF9F-48F7-ACF5-91C05D83776A}" type="datetimeFigureOut">
               <a:rPr lang="de-DE" smtClean="0"/>
-              <a:t>07.08.2023</a:t>
+              <a:t>08.08.2023</a:t>
             </a:fld>
             <a:endParaRPr lang="de-DE"/>
           </a:p>
@@ -2909,7 +2909,7 @@
           <a:p>
             <a:fld id="{9D67A599-CF9F-48F7-ACF5-91C05D83776A}" type="datetimeFigureOut">
               <a:rPr lang="de-DE" smtClean="0"/>
-              <a:t>07.08.2023</a:t>
+              <a:t>08.08.2023</a:t>
             </a:fld>
             <a:endParaRPr lang="de-DE"/>
           </a:p>
@@ -3340,8 +3340,8 @@
         </p:nvSpPr>
         <p:spPr>
           <a:xfrm>
-            <a:off x="1981200" y="982177"/>
-            <a:ext cx="8229600" cy="4893647"/>
+            <a:off x="1981200" y="458956"/>
+            <a:ext cx="8229600" cy="5940088"/>
           </a:xfrm>
           <a:prstGeom prst="rect">
             <a:avLst/>
@@ -3365,7 +3365,16 @@
           <a:p>
             <a:r>
               <a:rPr lang="de-DE" sz="2000" noProof="1"/>
-              <a:t>${placeholder}  at begin of text line.</a:t>
+              <a:t>${placeholder} at begin of text line.</a:t>
+            </a:r>
+          </a:p>
+          <a:p>
+            <a:endParaRPr lang="de-DE" sz="2000" noProof="1"/>
+          </a:p>
+          <a:p>
+            <a:r>
+              <a:rPr lang="de-DE" sz="2000" noProof="1"/>
+              <a:t>Text line which ends with ${placeholder}</a:t>
             </a:r>
           </a:p>
           <a:p>
@@ -3619,6 +3628,86 @@
             <a:r>
               <a:rPr lang="de-DE" sz="2000" dirty="0" err="1"/>
               <a:t>runs</a:t>
+            </a:r>
+            <a:r>
+              <a:rPr lang="de-DE" sz="2000" dirty="0"/>
+              <a:t>. This </a:t>
+            </a:r>
+            <a:r>
+              <a:rPr lang="de-DE" sz="2000" dirty="0" err="1"/>
+              <a:t>gets</a:t>
+            </a:r>
+            <a:r>
+              <a:rPr lang="de-DE" sz="2000" dirty="0"/>
+              <a:t> </a:t>
+            </a:r>
+            <a:r>
+              <a:rPr lang="de-DE" sz="2000" dirty="0" err="1"/>
+              <a:t>more</a:t>
+            </a:r>
+            <a:r>
+              <a:rPr lang="de-DE" sz="2000" dirty="0"/>
+              <a:t> </a:t>
+            </a:r>
+            <a:r>
+              <a:rPr lang="de-DE" sz="2000" dirty="0" err="1"/>
+              <a:t>worse</a:t>
+            </a:r>
+            <a:r>
+              <a:rPr lang="de-DE" sz="2000" dirty="0"/>
+              <a:t> </a:t>
+            </a:r>
+            <a:r>
+              <a:rPr lang="de-DE" sz="2000" dirty="0" err="1"/>
+              <a:t>when</a:t>
+            </a:r>
+            <a:r>
+              <a:rPr lang="de-DE" sz="2000" dirty="0"/>
+              <a:t> </a:t>
+            </a:r>
+            <a:r>
+              <a:rPr lang="de-DE" sz="2400" b="1" i="1" u="sng" dirty="0">
+                <a:solidFill>
+                  <a:srgbClr val="FF0000"/>
+                </a:solidFill>
+              </a:rPr>
+              <a:t>${</a:t>
+            </a:r>
+            <a:r>
+              <a:rPr lang="de-DE" sz="2400" b="1" i="1" u="sng" dirty="0" err="1">
+                <a:solidFill>
+                  <a:srgbClr val="FF0000"/>
+                </a:solidFill>
+              </a:rPr>
+              <a:t>placeholder</a:t>
+            </a:r>
+            <a:r>
+              <a:rPr lang="de-DE" sz="2400" b="1" i="1" u="sng" dirty="0">
+                <a:solidFill>
+                  <a:srgbClr val="FF0000"/>
+                </a:solidFill>
+              </a:rPr>
+              <a:t>} </a:t>
+            </a:r>
+            <a:r>
+              <a:rPr lang="de-DE" sz="2000" dirty="0" err="1"/>
+              <a:t>is</a:t>
+            </a:r>
+            <a:r>
+              <a:rPr lang="de-DE" sz="2000" dirty="0"/>
+              <a:t> </a:t>
+            </a:r>
+            <a:r>
+              <a:rPr lang="de-DE" sz="2000" dirty="0" err="1"/>
+              <a:t>formatted</a:t>
+            </a:r>
+            <a:r>
+              <a:rPr lang="de-DE" sz="2000" dirty="0"/>
+              <a:t> </a:t>
+            </a:r>
+            <a:r>
+              <a:rPr lang="de-DE" sz="2000" dirty="0" err="1"/>
+              <a:t>additionally</a:t>
             </a:r>
             <a:r>
               <a:rPr lang="de-DE" sz="2000" dirty="0"/>
